--- a/Block 02/slides/GEO8026_2021_22_Lecture2.pptx
+++ b/Block 02/slides/GEO8026_2021_22_Lecture2.pptx
@@ -1343,7 +1343,7 @@
           <a:p>
             <a:fld id="{CF2E614A-C12C-4D0E-85E3-B4445628C5AD}" type="datetimeFigureOut">
               <a:rPr lang="en-GB" smtClean="0"/>
-              <a:t>10/09/2021</a:t>
+              <a:t>28/09/2021</a:t>
             </a:fld>
             <a:endParaRPr lang="en-GB"/>
           </a:p>
@@ -1520,7 +1520,7 @@
           <a:p>
             <a:fld id="{63878252-83FE-4122-A0A9-331DC7AAA878}" type="datetimeFigureOut">
               <a:rPr lang="en-GB" smtClean="0"/>
-              <a:t>10/09/2021</a:t>
+              <a:t>28/09/2021</a:t>
             </a:fld>
             <a:endParaRPr lang="en-GB" dirty="0"/>
           </a:p>
@@ -3229,7 +3229,7 @@
           <a:p>
             <a:fld id="{812A8EEB-1D5A-604D-AF27-A96E06878FEE}" type="datetimeFigureOut">
               <a:rPr lang="en-US" smtClean="0"/>
-              <a:t>9/10/2021</a:t>
+              <a:t>9/28/2021</a:t>
             </a:fld>
             <a:endParaRPr lang="en-US" dirty="0"/>
           </a:p>
@@ -3399,7 +3399,7 @@
           <a:p>
             <a:fld id="{812A8EEB-1D5A-604D-AF27-A96E06878FEE}" type="datetimeFigureOut">
               <a:rPr lang="en-US" smtClean="0"/>
-              <a:t>9/10/2021</a:t>
+              <a:t>9/28/2021</a:t>
             </a:fld>
             <a:endParaRPr lang="en-US" dirty="0"/>
           </a:p>
@@ -3579,7 +3579,7 @@
           <a:p>
             <a:fld id="{812A8EEB-1D5A-604D-AF27-A96E06878FEE}" type="datetimeFigureOut">
               <a:rPr lang="en-US" smtClean="0"/>
-              <a:t>9/10/2021</a:t>
+              <a:t>9/28/2021</a:t>
             </a:fld>
             <a:endParaRPr lang="en-US" dirty="0"/>
           </a:p>
@@ -3749,7 +3749,7 @@
           <a:p>
             <a:fld id="{812A8EEB-1D5A-604D-AF27-A96E06878FEE}" type="datetimeFigureOut">
               <a:rPr lang="en-US" smtClean="0"/>
-              <a:t>9/10/2021</a:t>
+              <a:t>9/28/2021</a:t>
             </a:fld>
             <a:endParaRPr lang="en-US" dirty="0"/>
           </a:p>
@@ -3995,7 +3995,7 @@
           <a:p>
             <a:fld id="{812A8EEB-1D5A-604D-AF27-A96E06878FEE}" type="datetimeFigureOut">
               <a:rPr lang="en-US" smtClean="0"/>
-              <a:t>9/10/2021</a:t>
+              <a:t>9/28/2021</a:t>
             </a:fld>
             <a:endParaRPr lang="en-US" dirty="0"/>
           </a:p>
@@ -4283,7 +4283,7 @@
           <a:p>
             <a:fld id="{812A8EEB-1D5A-604D-AF27-A96E06878FEE}" type="datetimeFigureOut">
               <a:rPr lang="en-US" smtClean="0"/>
-              <a:t>9/10/2021</a:t>
+              <a:t>9/28/2021</a:t>
             </a:fld>
             <a:endParaRPr lang="en-US" dirty="0"/>
           </a:p>
@@ -4705,7 +4705,7 @@
           <a:p>
             <a:fld id="{812A8EEB-1D5A-604D-AF27-A96E06878FEE}" type="datetimeFigureOut">
               <a:rPr lang="en-US" smtClean="0"/>
-              <a:t>9/10/2021</a:t>
+              <a:t>9/28/2021</a:t>
             </a:fld>
             <a:endParaRPr lang="en-US" dirty="0"/>
           </a:p>
@@ -4823,7 +4823,7 @@
           <a:p>
             <a:fld id="{812A8EEB-1D5A-604D-AF27-A96E06878FEE}" type="datetimeFigureOut">
               <a:rPr lang="en-US" smtClean="0"/>
-              <a:t>9/10/2021</a:t>
+              <a:t>9/28/2021</a:t>
             </a:fld>
             <a:endParaRPr lang="en-US" dirty="0"/>
           </a:p>
@@ -4918,7 +4918,7 @@
           <a:p>
             <a:fld id="{812A8EEB-1D5A-604D-AF27-A96E06878FEE}" type="datetimeFigureOut">
               <a:rPr lang="en-US" smtClean="0"/>
-              <a:t>9/10/2021</a:t>
+              <a:t>9/28/2021</a:t>
             </a:fld>
             <a:endParaRPr lang="en-US" dirty="0"/>
           </a:p>
@@ -5195,7 +5195,7 @@
           <a:p>
             <a:fld id="{812A8EEB-1D5A-604D-AF27-A96E06878FEE}" type="datetimeFigureOut">
               <a:rPr lang="en-US" smtClean="0"/>
-              <a:t>9/10/2021</a:t>
+              <a:t>9/28/2021</a:t>
             </a:fld>
             <a:endParaRPr lang="en-US" dirty="0"/>
           </a:p>
@@ -5448,7 +5448,7 @@
           <a:p>
             <a:fld id="{812A8EEB-1D5A-604D-AF27-A96E06878FEE}" type="datetimeFigureOut">
               <a:rPr lang="en-US" smtClean="0"/>
-              <a:t>9/10/2021</a:t>
+              <a:t>9/28/2021</a:t>
             </a:fld>
             <a:endParaRPr lang="en-US" dirty="0"/>
           </a:p>
@@ -5661,7 +5661,7 @@
           <a:p>
             <a:fld id="{812A8EEB-1D5A-604D-AF27-A96E06878FEE}" type="datetimeFigureOut">
               <a:rPr lang="en-US" smtClean="0"/>
-              <a:t>9/10/2021</a:t>
+              <a:t>9/28/2021</a:t>
             </a:fld>
             <a:endParaRPr lang="en-US" dirty="0"/>
           </a:p>
@@ -12616,7 +12616,9 @@
             <a:r>
               <a:rPr lang="en-US" sz="2000" spc="-1" dirty="0">
                 <a:solidFill>
-                  <a:schemeClr val="accent3"/>
+                  <a:schemeClr val="accent3">
+                    <a:lumMod val="50000"/>
+                  </a:schemeClr>
                 </a:solidFill>
                 <a:uFill>
                   <a:solidFill>
@@ -12665,7 +12667,9 @@
             <a:r>
               <a:rPr lang="en-US" sz="2000" dirty="0">
                 <a:solidFill>
-                  <a:schemeClr val="accent3"/>
+                  <a:schemeClr val="accent3">
+                    <a:lumMod val="50000"/>
+                  </a:schemeClr>
                 </a:solidFill>
               </a:rPr>
               <a:t>Previous measurement data;</a:t>
@@ -12679,7 +12683,9 @@
             <a:r>
               <a:rPr lang="en-US" sz="2000" dirty="0">
                 <a:solidFill>
-                  <a:schemeClr val="accent3"/>
+                  <a:schemeClr val="accent3">
+                    <a:lumMod val="50000"/>
+                  </a:schemeClr>
                 </a:solidFill>
               </a:rPr>
               <a:t>Experience with, or general knowledge of, the behavior and property of relevant materials and instruments; </a:t>
@@ -12693,7 +12699,9 @@
             <a:r>
               <a:rPr lang="en-US" sz="2000" dirty="0">
                 <a:solidFill>
-                  <a:schemeClr val="accent3"/>
+                  <a:schemeClr val="accent3">
+                    <a:lumMod val="50000"/>
+                  </a:schemeClr>
                 </a:solidFill>
               </a:rPr>
               <a:t>Manufacturer's specifications.</a:t>

--- a/Block 02/slides/GEO8026_2021_22_Lecture2.pptx
+++ b/Block 02/slides/GEO8026_2021_22_Lecture2.pptx
@@ -1343,7 +1343,7 @@
           <a:p>
             <a:fld id="{CF2E614A-C12C-4D0E-85E3-B4445628C5AD}" type="datetimeFigureOut">
               <a:rPr lang="en-GB" smtClean="0"/>
-              <a:t>28/09/2021</a:t>
+              <a:t>29/09/2021</a:t>
             </a:fld>
             <a:endParaRPr lang="en-GB"/>
           </a:p>
@@ -1520,7 +1520,7 @@
           <a:p>
             <a:fld id="{63878252-83FE-4122-A0A9-331DC7AAA878}" type="datetimeFigureOut">
               <a:rPr lang="en-GB" smtClean="0"/>
-              <a:t>28/09/2021</a:t>
+              <a:t>29/09/2021</a:t>
             </a:fld>
             <a:endParaRPr lang="en-GB" dirty="0"/>
           </a:p>
@@ -3229,7 +3229,7 @@
           <a:p>
             <a:fld id="{812A8EEB-1D5A-604D-AF27-A96E06878FEE}" type="datetimeFigureOut">
               <a:rPr lang="en-US" smtClean="0"/>
-              <a:t>9/28/2021</a:t>
+              <a:t>9/29/2021</a:t>
             </a:fld>
             <a:endParaRPr lang="en-US" dirty="0"/>
           </a:p>
@@ -3399,7 +3399,7 @@
           <a:p>
             <a:fld id="{812A8EEB-1D5A-604D-AF27-A96E06878FEE}" type="datetimeFigureOut">
               <a:rPr lang="en-US" smtClean="0"/>
-              <a:t>9/28/2021</a:t>
+              <a:t>9/29/2021</a:t>
             </a:fld>
             <a:endParaRPr lang="en-US" dirty="0"/>
           </a:p>
@@ -3579,7 +3579,7 @@
           <a:p>
             <a:fld id="{812A8EEB-1D5A-604D-AF27-A96E06878FEE}" type="datetimeFigureOut">
               <a:rPr lang="en-US" smtClean="0"/>
-              <a:t>9/28/2021</a:t>
+              <a:t>9/29/2021</a:t>
             </a:fld>
             <a:endParaRPr lang="en-US" dirty="0"/>
           </a:p>
@@ -3749,7 +3749,7 @@
           <a:p>
             <a:fld id="{812A8EEB-1D5A-604D-AF27-A96E06878FEE}" type="datetimeFigureOut">
               <a:rPr lang="en-US" smtClean="0"/>
-              <a:t>9/28/2021</a:t>
+              <a:t>9/29/2021</a:t>
             </a:fld>
             <a:endParaRPr lang="en-US" dirty="0"/>
           </a:p>
@@ -3995,7 +3995,7 @@
           <a:p>
             <a:fld id="{812A8EEB-1D5A-604D-AF27-A96E06878FEE}" type="datetimeFigureOut">
               <a:rPr lang="en-US" smtClean="0"/>
-              <a:t>9/28/2021</a:t>
+              <a:t>9/29/2021</a:t>
             </a:fld>
             <a:endParaRPr lang="en-US" dirty="0"/>
           </a:p>
@@ -4283,7 +4283,7 @@
           <a:p>
             <a:fld id="{812A8EEB-1D5A-604D-AF27-A96E06878FEE}" type="datetimeFigureOut">
               <a:rPr lang="en-US" smtClean="0"/>
-              <a:t>9/28/2021</a:t>
+              <a:t>9/29/2021</a:t>
             </a:fld>
             <a:endParaRPr lang="en-US" dirty="0"/>
           </a:p>
@@ -4705,7 +4705,7 @@
           <a:p>
             <a:fld id="{812A8EEB-1D5A-604D-AF27-A96E06878FEE}" type="datetimeFigureOut">
               <a:rPr lang="en-US" smtClean="0"/>
-              <a:t>9/28/2021</a:t>
+              <a:t>9/29/2021</a:t>
             </a:fld>
             <a:endParaRPr lang="en-US" dirty="0"/>
           </a:p>
@@ -4823,7 +4823,7 @@
           <a:p>
             <a:fld id="{812A8EEB-1D5A-604D-AF27-A96E06878FEE}" type="datetimeFigureOut">
               <a:rPr lang="en-US" smtClean="0"/>
-              <a:t>9/28/2021</a:t>
+              <a:t>9/29/2021</a:t>
             </a:fld>
             <a:endParaRPr lang="en-US" dirty="0"/>
           </a:p>
@@ -4918,7 +4918,7 @@
           <a:p>
             <a:fld id="{812A8EEB-1D5A-604D-AF27-A96E06878FEE}" type="datetimeFigureOut">
               <a:rPr lang="en-US" smtClean="0"/>
-              <a:t>9/28/2021</a:t>
+              <a:t>9/29/2021</a:t>
             </a:fld>
             <a:endParaRPr lang="en-US" dirty="0"/>
           </a:p>
@@ -5195,7 +5195,7 @@
           <a:p>
             <a:fld id="{812A8EEB-1D5A-604D-AF27-A96E06878FEE}" type="datetimeFigureOut">
               <a:rPr lang="en-US" smtClean="0"/>
-              <a:t>9/28/2021</a:t>
+              <a:t>9/29/2021</a:t>
             </a:fld>
             <a:endParaRPr lang="en-US" dirty="0"/>
           </a:p>
@@ -5448,7 +5448,7 @@
           <a:p>
             <a:fld id="{812A8EEB-1D5A-604D-AF27-A96E06878FEE}" type="datetimeFigureOut">
               <a:rPr lang="en-US" smtClean="0"/>
-              <a:t>9/28/2021</a:t>
+              <a:t>9/29/2021</a:t>
             </a:fld>
             <a:endParaRPr lang="en-US" dirty="0"/>
           </a:p>
@@ -5661,7 +5661,7 @@
           <a:p>
             <a:fld id="{812A8EEB-1D5A-604D-AF27-A96E06878FEE}" type="datetimeFigureOut">
               <a:rPr lang="en-US" smtClean="0"/>
-              <a:t>9/28/2021</a:t>
+              <a:t>9/29/2021</a:t>
             </a:fld>
             <a:endParaRPr lang="en-US" dirty="0"/>
           </a:p>
@@ -10356,7 +10356,7 @@
                 </a:solidFill>
                 <a:latin typeface="Calibri" panose="020F0502020204030204" pitchFamily="34" charset="0"/>
               </a:rPr>
-              <a:t>Can only be reliably applied when the covariance between variables is high (a high correlation coefficient exists).</a:t>
+              <a:t>Can only be reliably applied when the covariance between variables is high and physically stable (a high correlation coefficient exists).</a:t>
             </a:r>
             <a:r>
               <a:rPr lang="en-US" sz="1800" b="0" i="0" u="none" strike="noStrike" baseline="0" dirty="0">
@@ -11796,7 +11796,7 @@
                 </a:uFill>
                 <a:latin typeface="+mj-lt"/>
               </a:rPr>
-              <a:t>Upon acquisition of data, we need to be confident that the reported value represents the physical quantity of interest.</a:t>
+              <a:t>Upon data acquisition, we need to be confident that the reported value represents the physical quantity of interest.</a:t>
             </a:r>
           </a:p>
           <a:p>
@@ -14376,7 +14376,7 @@
                 </a:uFill>
                 <a:latin typeface="Arial Rounded MT Bold" panose="020F0704030504030204" pitchFamily="34" charset="0"/>
               </a:rPr>
-              <a:t>Assessing data quality and flagging issues</a:t>
+              <a:t>Assessing data quality and flagging issues: some examples</a:t>
             </a:r>
             <a:endParaRPr lang="en-GB" dirty="0"/>
           </a:p>
